--- a/document/poster.pptx
+++ b/document/poster.pptx
@@ -12734,7 +12734,7 @@
         </p:nvSpPr>
         <p:spPr>
           <a:xfrm>
-            <a:off x="9178175" y="10451925"/>
+            <a:off x="9142275" y="10530125"/>
             <a:ext cx="12306000" cy="772800"/>
           </a:xfrm>
           <a:prstGeom prst="rect">
@@ -12818,8 +12818,8 @@
         </p:nvSpPr>
         <p:spPr>
           <a:xfrm>
-            <a:off x="9191000" y="11309400"/>
-            <a:ext cx="12280200" cy="10617300"/>
+            <a:off x="9184050" y="11442750"/>
+            <a:ext cx="12280200" cy="10407600"/>
           </a:xfrm>
           <a:prstGeom prst="rect">
             <a:avLst/>
@@ -13489,7 +13489,7 @@
                 <a:cs typeface="Times New Roman"/>
                 <a:sym typeface="Times New Roman"/>
               </a:rPr>
-              <a:t>Making transformations of predictor variables to find whether the response variable has a statistical interaction between the polynomial of quantitative variables and the interaction between qualitative variables and quantitative variables respectively as well as the interaction between quantitative variables themselves. After comparing each model’s AIC and R-adjusted square, we decide not to add any interaction terms in the model.</a:t>
+              <a:t>Making transformations of predictor variables to find whether the response variable has a statistical interaction between the polynomial of quantitative variables and the interaction between qualitative variables and quantitative variables respectively as well as the interaction between quantitative variables themselves. After comparing each model’s AIC and Adjusted R-squared, we decide not to add any interaction terms in the model.</a:t>
             </a:r>
             <a:endParaRPr sz="2800">
               <a:solidFill>
@@ -13565,7 +13565,7 @@
                 <a:cs typeface="Times New Roman"/>
                 <a:sym typeface="Times New Roman"/>
               </a:rPr>
-              <a:t>The final model consists of the seven original predictor variables and the log transform of response variable. The quantities of the final model can be concluded as:</a:t>
+              <a:t>The final model consists of the seven original predictor variables and the log transformation of response variable. The quantities of the final model can be concluded as:</a:t>
             </a:r>
             <a:endParaRPr sz="2800">
               <a:solidFill>
@@ -13880,7 +13880,7 @@
                 <a:cs typeface="Times New Roman"/>
                 <a:sym typeface="Times New Roman"/>
               </a:rPr>
-              <a:t>In the linear regression, the model hasn’t been improved much by making any transformations of predictor variables or adding any interaction terms. This suggests that we may collect other variables like the number of cars to see the deep link between PM2.5 and our life.</a:t>
+              <a:t>In the linear regression, the model hasn’t been improved much by making any transformations of predictor variables or adding any interaction terms. This suggests that we may collect other variables like the automobile exhaust to see the deep link between PM2.5 and our life.</a:t>
             </a:r>
             <a:endParaRPr sz="2800">
               <a:solidFill>
@@ -13909,8 +13909,8 @@
         </p:blipFill>
         <p:spPr>
           <a:xfrm>
-            <a:off x="12588849" y="20596149"/>
-            <a:ext cx="5126575" cy="1150850"/>
+            <a:off x="12782550" y="20627746"/>
+            <a:ext cx="5531175" cy="1119254"/>
           </a:xfrm>
           <a:prstGeom prst="rect">
             <a:avLst/>
@@ -13936,7 +13936,7 @@
             <a:tbl>
               <a:tblPr>
                 <a:noFill/>
-                <a:tableStyleId>{EB1F957E-AB0A-488B-B43A-3652E8711B0E}</a:tableStyleId>
+                <a:tableStyleId>{A84C64D8-A4C9-479E-BBED-9062C8BFDFAE}</a:tableStyleId>
               </a:tblPr>
               <a:tblGrid>
                 <a:gridCol w="1843725"/>
@@ -14128,8 +14128,8 @@
         </p:blipFill>
         <p:spPr>
           <a:xfrm>
-            <a:off x="9966725" y="5914425"/>
-            <a:ext cx="4678771" cy="3101649"/>
+            <a:off x="9292725" y="5914425"/>
+            <a:ext cx="5737723" cy="3248624"/>
           </a:xfrm>
           <a:prstGeom prst="rect">
             <a:avLst/>
@@ -14156,8 +14156,8 @@
         </p:blipFill>
         <p:spPr>
           <a:xfrm>
-            <a:off x="15154375" y="6070649"/>
-            <a:ext cx="6007575" cy="2793900"/>
+            <a:off x="15154375" y="6070650"/>
+            <a:ext cx="6483550" cy="3015275"/>
           </a:xfrm>
           <a:prstGeom prst="rect">
             <a:avLst/>
@@ -14176,7 +14176,7 @@
         </p:nvSpPr>
         <p:spPr>
           <a:xfrm>
-            <a:off x="9203825" y="8845350"/>
+            <a:off x="9142287" y="8936513"/>
             <a:ext cx="12306000" cy="1593600"/>
           </a:xfrm>
           <a:prstGeom prst="rect">
